--- a/データベース最終課題_スライド.pptx
+++ b/データベース最終課題_スライド.pptx
@@ -9,11 +9,16 @@
     <p:sldId id="257" r:id="rId3"/>
     <p:sldId id="258" r:id="rId4"/>
     <p:sldId id="259" r:id="rId5"/>
-    <p:sldId id="265" r:id="rId6"/>
+    <p:sldId id="260" r:id="rId6"/>
     <p:sldId id="261" r:id="rId7"/>
     <p:sldId id="262" r:id="rId8"/>
     <p:sldId id="263" r:id="rId9"/>
     <p:sldId id="264" r:id="rId10"/>
+    <p:sldId id="270" r:id="rId11"/>
+    <p:sldId id="266" r:id="rId12"/>
+    <p:sldId id="267" r:id="rId13"/>
+    <p:sldId id="268" r:id="rId14"/>
+    <p:sldId id="269" r:id="rId15"/>
   </p:sldIdLst>
   <p:sldSz cx="12192000" cy="6858000"/>
   <p:notesSz cx="6858000" cy="9144000"/>
@@ -129,27 +134,6 @@
     </p:ext>
   </p:extLst>
 </p:presentation>
-</file>
-
-<file path=ppt/changesInfos/changesInfo1.xml><?xml version="1.0" encoding="utf-8"?>
-<pc:chgInfo xmlns:a="http://schemas.openxmlformats.org/drawingml/2006/main" xmlns:r="http://schemas.openxmlformats.org/officeDocument/2006/relationships" xmlns:ac="http://schemas.microsoft.com/office/drawing/2013/main/command" xmlns:pc="http://schemas.microsoft.com/office/powerpoint/2013/main/command">
-  <pc:docChgLst>
-    <pc:chgData name="Yoshiki Dejima" userId="fa338183b7837ce8" providerId="LiveId" clId="{83154F7E-D821-458C-9675-E037E9EAA636}"/>
-    <pc:docChg chg="delSld">
-      <pc:chgData name="Yoshiki Dejima" userId="fa338183b7837ce8" providerId="LiveId" clId="{83154F7E-D821-458C-9675-E037E9EAA636}" dt="2026-01-17T02:23:58.889" v="0" actId="47"/>
-      <pc:docMkLst>
-        <pc:docMk/>
-      </pc:docMkLst>
-      <pc:sldChg chg="del">
-        <pc:chgData name="Yoshiki Dejima" userId="fa338183b7837ce8" providerId="LiveId" clId="{83154F7E-D821-458C-9675-E037E9EAA636}" dt="2026-01-17T02:23:58.889" v="0" actId="47"/>
-        <pc:sldMkLst>
-          <pc:docMk/>
-          <pc:sldMk cId="3701993427" sldId="260"/>
-        </pc:sldMkLst>
-      </pc:sldChg>
-    </pc:docChg>
-  </pc:docChgLst>
-</pc:chgInfo>
 </file>
 
 <file path=ppt/slideLayouts/slideLayout1.xml><?xml version="1.0" encoding="utf-8"?>
@@ -3085,10 +3069,10 @@
       </p:grpSpPr>
       <p:pic>
         <p:nvPicPr>
-          <p:cNvPr id="5" name="図 4" descr="テキスト, 手紙&#10;&#10;AI 生成コンテンツは誤りを含む可能性があります。">
+          <p:cNvPr id="5" name="図 4" descr="テキスト が含まれている画像&#10;&#10;AI 生成コンテンツは誤りを含む可能性があります。">
             <a:extLst>
               <a:ext uri="{FF2B5EF4-FFF2-40B4-BE49-F238E27FC236}">
-                <a16:creationId xmlns:a16="http://schemas.microsoft.com/office/drawing/2014/main" id="{3F36DDD3-8B23-254B-9013-0E115CACCC52}"/>
+                <a16:creationId xmlns:a16="http://schemas.microsoft.com/office/drawing/2014/main" id="{19882CB7-90DE-9F50-F360-B6EE15E135E5}"/>
               </a:ext>
             </a:extLst>
           </p:cNvPr>
@@ -3122,7 +3106,7 @@
     </p:spTree>
     <p:extLst>
       <p:ext uri="{BB962C8B-B14F-4D97-AF65-F5344CB8AC3E}">
-        <p14:creationId xmlns:p14="http://schemas.microsoft.com/office/powerpoint/2010/main" val="2651428094"/>
+        <p14:creationId xmlns:p14="http://schemas.microsoft.com/office/powerpoint/2010/main" val="4171095904"/>
       </p:ext>
     </p:extLst>
   </p:cSld>
@@ -3132,7 +3116,111 @@
 </p:sld>
 </file>
 
-<file path=ppt/slides/slide2.xml><?xml version="1.0" encoding="utf-8"?>
+<file path=ppt/slides/slide10.xml><?xml version="1.0" encoding="utf-8"?>
+<p:sld xmlns:a="http://schemas.openxmlformats.org/drawingml/2006/main" xmlns:r="http://schemas.openxmlformats.org/officeDocument/2006/relationships" xmlns:p="http://schemas.openxmlformats.org/presentationml/2006/main">
+  <p:cSld>
+    <p:spTree>
+      <p:nvGrpSpPr>
+        <p:cNvPr id="1" name=""/>
+        <p:cNvGrpSpPr/>
+        <p:nvPr/>
+      </p:nvGrpSpPr>
+      <p:grpSpPr>
+        <a:xfrm>
+          <a:off x="0" y="0"/>
+          <a:ext cx="0" cy="0"/>
+          <a:chOff x="0" y="0"/>
+          <a:chExt cx="0" cy="0"/>
+        </a:xfrm>
+      </p:grpSpPr>
+      <p:sp>
+        <p:nvSpPr>
+          <p:cNvPr id="2" name="タイトル 1">
+            <a:extLst>
+              <a:ext uri="{FF2B5EF4-FFF2-40B4-BE49-F238E27FC236}">
+                <a16:creationId xmlns:a16="http://schemas.microsoft.com/office/drawing/2014/main" id="{5BA62F63-44C9-C90D-98CB-CAC2C82978CB}"/>
+              </a:ext>
+            </a:extLst>
+          </p:cNvPr>
+          <p:cNvSpPr>
+            <a:spLocks noGrp="1"/>
+          </p:cNvSpPr>
+          <p:nvPr>
+            <p:ph type="title"/>
+          </p:nvPr>
+        </p:nvSpPr>
+        <p:spPr>
+          <a:xfrm>
+            <a:off x="533400" y="685800"/>
+            <a:ext cx="2971800" cy="1143000"/>
+          </a:xfrm>
+        </p:spPr>
+        <p:txBody>
+          <a:bodyPr/>
+          <a:lstStyle/>
+          <a:p>
+            <a:r>
+              <a:rPr kumimoji="1" lang="ja-JP" altLang="en-US" b="1" dirty="0"/>
+              <a:t>デモ動画</a:t>
+            </a:r>
+          </a:p>
+        </p:txBody>
+      </p:sp>
+      <p:sp>
+        <p:nvSpPr>
+          <p:cNvPr id="4" name="テキスト ボックス 3">
+            <a:extLst>
+              <a:ext uri="{FF2B5EF4-FFF2-40B4-BE49-F238E27FC236}">
+                <a16:creationId xmlns:a16="http://schemas.microsoft.com/office/drawing/2014/main" id="{E96F0D6E-FA4D-65C1-FD23-66BABD6CAA7C}"/>
+              </a:ext>
+            </a:extLst>
+          </p:cNvPr>
+          <p:cNvSpPr txBox="1"/>
+          <p:nvPr/>
+        </p:nvSpPr>
+        <p:spPr>
+          <a:xfrm>
+            <a:off x="1737499" y="3059668"/>
+            <a:ext cx="8901219" cy="646331"/>
+          </a:xfrm>
+          <a:prstGeom prst="rect">
+            <a:avLst/>
+          </a:prstGeom>
+          <a:noFill/>
+        </p:spPr>
+        <p:txBody>
+          <a:bodyPr wrap="none" rtlCol="0">
+            <a:spAutoFit/>
+          </a:bodyPr>
+          <a:lstStyle/>
+          <a:p>
+            <a:r>
+              <a:rPr kumimoji="1" lang="en-US" altLang="ja-JP" b="1" dirty="0">
+                <a:hlinkClick r:id="rId2"/>
+              </a:rPr>
+              <a:t>https://drive.google.com/file/d/1pCJEL2-gz9Bc5oOMvt7zbcINs2uu5EMr/view?usp=sharing</a:t>
+            </a:r>
+            <a:endParaRPr kumimoji="1" lang="en-US" altLang="ja-JP" b="1" dirty="0"/>
+          </a:p>
+          <a:p>
+            <a:endParaRPr kumimoji="1" lang="ja-JP" altLang="en-US" b="1" dirty="0"/>
+          </a:p>
+        </p:txBody>
+      </p:sp>
+    </p:spTree>
+    <p:extLst>
+      <p:ext uri="{BB962C8B-B14F-4D97-AF65-F5344CB8AC3E}">
+        <p14:creationId xmlns:p14="http://schemas.microsoft.com/office/powerpoint/2010/main" val="3809692413"/>
+      </p:ext>
+    </p:extLst>
+  </p:cSld>
+  <p:clrMapOvr>
+    <a:masterClrMapping/>
+  </p:clrMapOvr>
+</p:sld>
+</file>
+
+<file path=ppt/slides/slide11.xml><?xml version="1.0" encoding="utf-8"?>
 <p:sld xmlns:a="http://schemas.openxmlformats.org/drawingml/2006/main" xmlns:r="http://schemas.openxmlformats.org/officeDocument/2006/relationships" xmlns:p="http://schemas.openxmlformats.org/presentationml/2006/main">
   <p:cSld>
     <p:spTree>
@@ -3140,7 +3228,7 @@
         <p:cNvPr id="1" name="">
           <a:extLst>
             <a:ext uri="{FF2B5EF4-FFF2-40B4-BE49-F238E27FC236}">
-              <a16:creationId xmlns:a16="http://schemas.microsoft.com/office/drawing/2014/main" id="{A50073CD-8A1A-5DFF-2CC4-1489C2CF409C}"/>
+              <a16:creationId xmlns:a16="http://schemas.microsoft.com/office/drawing/2014/main" id="{54655BE6-32FA-04E6-FAC4-0C1C892ABBF9}"/>
             </a:ext>
           </a:extLst>
         </p:cNvPr>
@@ -3157,10 +3245,10 @@
       </p:grpSpPr>
       <p:pic>
         <p:nvPicPr>
-          <p:cNvPr id="3" name="図 2" descr="テキスト, 手紙">
+          <p:cNvPr id="3" name="図 2" descr="テーブル&#10;&#10;AI 生成コンテンツは誤りを含む可能性があります。">
             <a:extLst>
               <a:ext uri="{FF2B5EF4-FFF2-40B4-BE49-F238E27FC236}">
-                <a16:creationId xmlns:a16="http://schemas.microsoft.com/office/drawing/2014/main" id="{ADE9B3ED-41E8-DB28-2E6C-2AC54FDC5E03}"/>
+                <a16:creationId xmlns:a16="http://schemas.microsoft.com/office/drawing/2014/main" id="{3DBE7A33-2F15-AD10-9F26-EE51BAF21B38}"/>
               </a:ext>
             </a:extLst>
           </p:cNvPr>
@@ -3194,7 +3282,7 @@
     </p:spTree>
     <p:extLst>
       <p:ext uri="{BB962C8B-B14F-4D97-AF65-F5344CB8AC3E}">
-        <p14:creationId xmlns:p14="http://schemas.microsoft.com/office/powerpoint/2010/main" val="3115252956"/>
+        <p14:creationId xmlns:p14="http://schemas.microsoft.com/office/powerpoint/2010/main" val="978229401"/>
       </p:ext>
     </p:extLst>
   </p:cSld>
@@ -3204,7 +3292,7 @@
 </p:sld>
 </file>
 
-<file path=ppt/slides/slide3.xml><?xml version="1.0" encoding="utf-8"?>
+<file path=ppt/slides/slide12.xml><?xml version="1.0" encoding="utf-8"?>
 <p:sld xmlns:a="http://schemas.openxmlformats.org/drawingml/2006/main" xmlns:r="http://schemas.openxmlformats.org/officeDocument/2006/relationships" xmlns:p="http://schemas.openxmlformats.org/presentationml/2006/main">
   <p:cSld>
     <p:spTree>
@@ -3212,7 +3300,7 @@
         <p:cNvPr id="1" name="">
           <a:extLst>
             <a:ext uri="{FF2B5EF4-FFF2-40B4-BE49-F238E27FC236}">
-              <a16:creationId xmlns:a16="http://schemas.microsoft.com/office/drawing/2014/main" id="{DFFCA986-E2AB-6CD9-307E-6E6EE7906951}"/>
+              <a16:creationId xmlns:a16="http://schemas.microsoft.com/office/drawing/2014/main" id="{2A429AD4-9C3C-A46E-C88E-607C0ECB6EAF}"/>
             </a:ext>
           </a:extLst>
         </p:cNvPr>
@@ -3229,10 +3317,10 @@
       </p:grpSpPr>
       <p:pic>
         <p:nvPicPr>
-          <p:cNvPr id="3" name="図 2" descr="テキスト, 手紙">
+          <p:cNvPr id="3" name="図 2" descr="グラフィカル ユーザー インターフェイス, テキスト, アプリケーション&#10;&#10;AI 生成コンテンツは誤りを含む可能性があります。">
             <a:extLst>
               <a:ext uri="{FF2B5EF4-FFF2-40B4-BE49-F238E27FC236}">
-                <a16:creationId xmlns:a16="http://schemas.microsoft.com/office/drawing/2014/main" id="{B4F60C3D-DA38-19C8-1DEB-8BBC3BCEC637}"/>
+                <a16:creationId xmlns:a16="http://schemas.microsoft.com/office/drawing/2014/main" id="{384EC1C1-4437-361E-A00B-95F3E313FE26}"/>
               </a:ext>
             </a:extLst>
           </p:cNvPr>
@@ -3266,7 +3354,7 @@
     </p:spTree>
     <p:extLst>
       <p:ext uri="{BB962C8B-B14F-4D97-AF65-F5344CB8AC3E}">
-        <p14:creationId xmlns:p14="http://schemas.microsoft.com/office/powerpoint/2010/main" val="1854143931"/>
+        <p14:creationId xmlns:p14="http://schemas.microsoft.com/office/powerpoint/2010/main" val="4214765756"/>
       </p:ext>
     </p:extLst>
   </p:cSld>
@@ -3276,7 +3364,7 @@
 </p:sld>
 </file>
 
-<file path=ppt/slides/slide4.xml><?xml version="1.0" encoding="utf-8"?>
+<file path=ppt/slides/slide13.xml><?xml version="1.0" encoding="utf-8"?>
 <p:sld xmlns:a="http://schemas.openxmlformats.org/drawingml/2006/main" xmlns:r="http://schemas.openxmlformats.org/officeDocument/2006/relationships" xmlns:p="http://schemas.openxmlformats.org/presentationml/2006/main">
   <p:cSld>
     <p:spTree>
@@ -3284,7 +3372,7 @@
         <p:cNvPr id="1" name="">
           <a:extLst>
             <a:ext uri="{FF2B5EF4-FFF2-40B4-BE49-F238E27FC236}">
-              <a16:creationId xmlns:a16="http://schemas.microsoft.com/office/drawing/2014/main" id="{5C51AB23-FAE8-5848-90BF-DB7AD4C1A407}"/>
+              <a16:creationId xmlns:a16="http://schemas.microsoft.com/office/drawing/2014/main" id="{7E4EEA4E-0EA2-4515-47A4-4E9633BF7C9C}"/>
             </a:ext>
           </a:extLst>
         </p:cNvPr>
@@ -3301,10 +3389,10 @@
       </p:grpSpPr>
       <p:pic>
         <p:nvPicPr>
-          <p:cNvPr id="3" name="図 2" descr="テキスト, 手紙&#10;&#10;AI 生成コンテンツは誤りを含む可能性があります。">
+          <p:cNvPr id="3" name="図 2" descr="グラフィカル ユーザー インターフェイス, テキスト, アプリケーション, メール&#10;&#10;AI 生成コンテンツは誤りを含む可能性があります。">
             <a:extLst>
               <a:ext uri="{FF2B5EF4-FFF2-40B4-BE49-F238E27FC236}">
-                <a16:creationId xmlns:a16="http://schemas.microsoft.com/office/drawing/2014/main" id="{6C2965C5-BEFF-F28A-3DAD-F1CE261ECB84}"/>
+                <a16:creationId xmlns:a16="http://schemas.microsoft.com/office/drawing/2014/main" id="{0188A735-E6D1-9459-E440-85319643C4B1}"/>
               </a:ext>
             </a:extLst>
           </p:cNvPr>
@@ -3338,7 +3426,7 @@
     </p:spTree>
     <p:extLst>
       <p:ext uri="{BB962C8B-B14F-4D97-AF65-F5344CB8AC3E}">
-        <p14:creationId xmlns:p14="http://schemas.microsoft.com/office/powerpoint/2010/main" val="3854362345"/>
+        <p14:creationId xmlns:p14="http://schemas.microsoft.com/office/powerpoint/2010/main" val="3947851003"/>
       </p:ext>
     </p:extLst>
   </p:cSld>
@@ -3348,111 +3436,7 @@
 </p:sld>
 </file>
 
-<file path=ppt/slides/slide5.xml><?xml version="1.0" encoding="utf-8"?>
-<p:sld xmlns:a="http://schemas.openxmlformats.org/drawingml/2006/main" xmlns:r="http://schemas.openxmlformats.org/officeDocument/2006/relationships" xmlns:p="http://schemas.openxmlformats.org/presentationml/2006/main">
-  <p:cSld>
-    <p:spTree>
-      <p:nvGrpSpPr>
-        <p:cNvPr id="1" name=""/>
-        <p:cNvGrpSpPr/>
-        <p:nvPr/>
-      </p:nvGrpSpPr>
-      <p:grpSpPr>
-        <a:xfrm>
-          <a:off x="0" y="0"/>
-          <a:ext cx="0" cy="0"/>
-          <a:chOff x="0" y="0"/>
-          <a:chExt cx="0" cy="0"/>
-        </a:xfrm>
-      </p:grpSpPr>
-      <p:sp>
-        <p:nvSpPr>
-          <p:cNvPr id="2" name="タイトル 1">
-            <a:extLst>
-              <a:ext uri="{FF2B5EF4-FFF2-40B4-BE49-F238E27FC236}">
-                <a16:creationId xmlns:a16="http://schemas.microsoft.com/office/drawing/2014/main" id="{EF8299AA-EC05-C4AF-E6D8-4D73542A5D86}"/>
-              </a:ext>
-            </a:extLst>
-          </p:cNvPr>
-          <p:cNvSpPr>
-            <a:spLocks noGrp="1"/>
-          </p:cNvSpPr>
-          <p:nvPr>
-            <p:ph type="title"/>
-          </p:nvPr>
-        </p:nvSpPr>
-        <p:spPr>
-          <a:xfrm>
-            <a:off x="876300" y="838200"/>
-            <a:ext cx="2667000" cy="1143000"/>
-          </a:xfrm>
-        </p:spPr>
-        <p:txBody>
-          <a:bodyPr/>
-          <a:lstStyle/>
-          <a:p>
-            <a:r>
-              <a:rPr kumimoji="1" lang="ja-JP" altLang="en-US" dirty="0"/>
-              <a:t>デモ動画</a:t>
-            </a:r>
-          </a:p>
-        </p:txBody>
-      </p:sp>
-      <p:sp>
-        <p:nvSpPr>
-          <p:cNvPr id="4" name="テキスト ボックス 3">
-            <a:extLst>
-              <a:ext uri="{FF2B5EF4-FFF2-40B4-BE49-F238E27FC236}">
-                <a16:creationId xmlns:a16="http://schemas.microsoft.com/office/drawing/2014/main" id="{2F0BD65A-07F2-0758-6939-E91FF2DA0FB1}"/>
-              </a:ext>
-            </a:extLst>
-          </p:cNvPr>
-          <p:cNvSpPr txBox="1"/>
-          <p:nvPr/>
-        </p:nvSpPr>
-        <p:spPr>
-          <a:xfrm>
-            <a:off x="876300" y="3313331"/>
-            <a:ext cx="10439400" cy="646331"/>
-          </a:xfrm>
-          <a:prstGeom prst="rect">
-            <a:avLst/>
-          </a:prstGeom>
-          <a:noFill/>
-        </p:spPr>
-        <p:txBody>
-          <a:bodyPr wrap="square" rtlCol="0">
-            <a:spAutoFit/>
-          </a:bodyPr>
-          <a:lstStyle/>
-          <a:p>
-            <a:r>
-              <a:rPr kumimoji="1" lang="en-US" altLang="ja-JP" dirty="0">
-                <a:hlinkClick r:id="rId2"/>
-              </a:rPr>
-              <a:t>https://drive.google.com/file/d/1pCJEL2-gz9Bc5oOMvt7zbcINs2uu5EMr/view?usp=sharing</a:t>
-            </a:r>
-            <a:endParaRPr kumimoji="1" lang="en-US" altLang="ja-JP" dirty="0"/>
-          </a:p>
-          <a:p>
-            <a:endParaRPr kumimoji="1" lang="ja-JP" altLang="en-US" dirty="0"/>
-          </a:p>
-        </p:txBody>
-      </p:sp>
-    </p:spTree>
-    <p:extLst>
-      <p:ext uri="{BB962C8B-B14F-4D97-AF65-F5344CB8AC3E}">
-        <p14:creationId xmlns:p14="http://schemas.microsoft.com/office/powerpoint/2010/main" val="745012454"/>
-      </p:ext>
-    </p:extLst>
-  </p:cSld>
-  <p:clrMapOvr>
-    <a:masterClrMapping/>
-  </p:clrMapOvr>
-</p:sld>
-</file>
-
-<file path=ppt/slides/slide6.xml><?xml version="1.0" encoding="utf-8"?>
+<file path=ppt/slides/slide14.xml><?xml version="1.0" encoding="utf-8"?>
 <p:sld xmlns:a="http://schemas.openxmlformats.org/drawingml/2006/main" xmlns:r="http://schemas.openxmlformats.org/officeDocument/2006/relationships" xmlns:p="http://schemas.openxmlformats.org/presentationml/2006/main">
   <p:cSld>
     <p:spTree>
@@ -3460,7 +3444,7 @@
         <p:cNvPr id="1" name="">
           <a:extLst>
             <a:ext uri="{FF2B5EF4-FFF2-40B4-BE49-F238E27FC236}">
-              <a16:creationId xmlns:a16="http://schemas.microsoft.com/office/drawing/2014/main" id="{5F100535-F58E-23A1-1938-2EC19D93463C}"/>
+              <a16:creationId xmlns:a16="http://schemas.microsoft.com/office/drawing/2014/main" id="{306EBF41-3092-E615-E741-67D4E07644DB}"/>
             </a:ext>
           </a:extLst>
         </p:cNvPr>
@@ -3477,10 +3461,10 @@
       </p:grpSpPr>
       <p:pic>
         <p:nvPicPr>
-          <p:cNvPr id="3" name="図 2" descr="テーブル">
+          <p:cNvPr id="3" name="図 2" descr="テキスト, 手紙&#10;&#10;AI 生成コンテンツは誤りを含む可能性があります。">
             <a:extLst>
               <a:ext uri="{FF2B5EF4-FFF2-40B4-BE49-F238E27FC236}">
-                <a16:creationId xmlns:a16="http://schemas.microsoft.com/office/drawing/2014/main" id="{78F81BE1-3610-F25F-7A19-7A55FC3F3C1B}"/>
+                <a16:creationId xmlns:a16="http://schemas.microsoft.com/office/drawing/2014/main" id="{110E6402-AA74-DB27-7DBD-9C6C4C2550F2}"/>
               </a:ext>
             </a:extLst>
           </p:cNvPr>
@@ -3514,7 +3498,7 @@
     </p:spTree>
     <p:extLst>
       <p:ext uri="{BB962C8B-B14F-4D97-AF65-F5344CB8AC3E}">
-        <p14:creationId xmlns:p14="http://schemas.microsoft.com/office/powerpoint/2010/main" val="2937376415"/>
+        <p14:creationId xmlns:p14="http://schemas.microsoft.com/office/powerpoint/2010/main" val="3654317100"/>
       </p:ext>
     </p:extLst>
   </p:cSld>
@@ -3524,7 +3508,7 @@
 </p:sld>
 </file>
 
-<file path=ppt/slides/slide7.xml><?xml version="1.0" encoding="utf-8"?>
+<file path=ppt/slides/slide2.xml><?xml version="1.0" encoding="utf-8"?>
 <p:sld xmlns:a="http://schemas.openxmlformats.org/drawingml/2006/main" xmlns:r="http://schemas.openxmlformats.org/officeDocument/2006/relationships" xmlns:p="http://schemas.openxmlformats.org/presentationml/2006/main">
   <p:cSld>
     <p:spTree>
@@ -3532,7 +3516,7 @@
         <p:cNvPr id="1" name="">
           <a:extLst>
             <a:ext uri="{FF2B5EF4-FFF2-40B4-BE49-F238E27FC236}">
-              <a16:creationId xmlns:a16="http://schemas.microsoft.com/office/drawing/2014/main" id="{80554981-C13E-A2CE-FA93-63708DC461C2}"/>
+              <a16:creationId xmlns:a16="http://schemas.microsoft.com/office/drawing/2014/main" id="{D6C7EA4E-94E7-B5C5-942B-A36CF7F08992}"/>
             </a:ext>
           </a:extLst>
         </p:cNvPr>
@@ -3549,10 +3533,10 @@
       </p:grpSpPr>
       <p:pic>
         <p:nvPicPr>
-          <p:cNvPr id="3" name="図 2" descr="グラフィカル ユーザー インターフェイス, テキスト, アプリケーション&#10;&#10;AI 生成コンテンツは誤りを含む可能性があります。">
+          <p:cNvPr id="3" name="図 2" descr="テキスト, 手紙&#10;&#10;AI 生成コンテンツは誤りを含む可能性があります。">
             <a:extLst>
               <a:ext uri="{FF2B5EF4-FFF2-40B4-BE49-F238E27FC236}">
-                <a16:creationId xmlns:a16="http://schemas.microsoft.com/office/drawing/2014/main" id="{5FC5D19A-9C39-9610-7099-B82FE3F27074}"/>
+                <a16:creationId xmlns:a16="http://schemas.microsoft.com/office/drawing/2014/main" id="{1092C525-EEDE-5634-E36D-9EFEA90AA7FA}"/>
               </a:ext>
             </a:extLst>
           </p:cNvPr>
@@ -3586,7 +3570,7 @@
     </p:spTree>
     <p:extLst>
       <p:ext uri="{BB962C8B-B14F-4D97-AF65-F5344CB8AC3E}">
-        <p14:creationId xmlns:p14="http://schemas.microsoft.com/office/powerpoint/2010/main" val="559001379"/>
+        <p14:creationId xmlns:p14="http://schemas.microsoft.com/office/powerpoint/2010/main" val="895635068"/>
       </p:ext>
     </p:extLst>
   </p:cSld>
@@ -3596,7 +3580,7 @@
 </p:sld>
 </file>
 
-<file path=ppt/slides/slide8.xml><?xml version="1.0" encoding="utf-8"?>
+<file path=ppt/slides/slide3.xml><?xml version="1.0" encoding="utf-8"?>
 <p:sld xmlns:a="http://schemas.openxmlformats.org/drawingml/2006/main" xmlns:r="http://schemas.openxmlformats.org/officeDocument/2006/relationships" xmlns:p="http://schemas.openxmlformats.org/presentationml/2006/main">
   <p:cSld>
     <p:spTree>
@@ -3604,7 +3588,7 @@
         <p:cNvPr id="1" name="">
           <a:extLst>
             <a:ext uri="{FF2B5EF4-FFF2-40B4-BE49-F238E27FC236}">
-              <a16:creationId xmlns:a16="http://schemas.microsoft.com/office/drawing/2014/main" id="{A345E30E-9881-A1FB-66F8-32F4F584C21A}"/>
+              <a16:creationId xmlns:a16="http://schemas.microsoft.com/office/drawing/2014/main" id="{DADAAB0B-051A-3E98-6904-C314418FCF9B}"/>
             </a:ext>
           </a:extLst>
         </p:cNvPr>
@@ -3621,10 +3605,10 @@
       </p:grpSpPr>
       <p:pic>
         <p:nvPicPr>
-          <p:cNvPr id="3" name="図 2" descr="グラフィカル ユーザー インターフェイス, テキスト, アプリケーション, メール">
+          <p:cNvPr id="3" name="図 2" descr="テキスト, 手紙&#10;&#10;AI 生成コンテンツは誤りを含む可能性があります。">
             <a:extLst>
               <a:ext uri="{FF2B5EF4-FFF2-40B4-BE49-F238E27FC236}">
-                <a16:creationId xmlns:a16="http://schemas.microsoft.com/office/drawing/2014/main" id="{22A42DC5-F290-2C99-4AE6-FBA4E60843BA}"/>
+                <a16:creationId xmlns:a16="http://schemas.microsoft.com/office/drawing/2014/main" id="{4F241ABE-046B-E283-C050-C52E573D925A}"/>
               </a:ext>
             </a:extLst>
           </p:cNvPr>
@@ -3658,7 +3642,7 @@
     </p:spTree>
     <p:extLst>
       <p:ext uri="{BB962C8B-B14F-4D97-AF65-F5344CB8AC3E}">
-        <p14:creationId xmlns:p14="http://schemas.microsoft.com/office/powerpoint/2010/main" val="641304942"/>
+        <p14:creationId xmlns:p14="http://schemas.microsoft.com/office/powerpoint/2010/main" val="2517805487"/>
       </p:ext>
     </p:extLst>
   </p:cSld>
@@ -3668,7 +3652,7 @@
 </p:sld>
 </file>
 
-<file path=ppt/slides/slide9.xml><?xml version="1.0" encoding="utf-8"?>
+<file path=ppt/slides/slide4.xml><?xml version="1.0" encoding="utf-8"?>
 <p:sld xmlns:a="http://schemas.openxmlformats.org/drawingml/2006/main" xmlns:r="http://schemas.openxmlformats.org/officeDocument/2006/relationships" xmlns:p="http://schemas.openxmlformats.org/presentationml/2006/main">
   <p:cSld>
     <p:spTree>
@@ -3676,7 +3660,7 @@
         <p:cNvPr id="1" name="">
           <a:extLst>
             <a:ext uri="{FF2B5EF4-FFF2-40B4-BE49-F238E27FC236}">
-              <a16:creationId xmlns:a16="http://schemas.microsoft.com/office/drawing/2014/main" id="{46DEB029-7C14-F989-F948-87958BCC0C13}"/>
+              <a16:creationId xmlns:a16="http://schemas.microsoft.com/office/drawing/2014/main" id="{CEA6A87E-2C88-5723-7505-05E5F6623474}"/>
             </a:ext>
           </a:extLst>
         </p:cNvPr>
@@ -3693,10 +3677,10 @@
       </p:grpSpPr>
       <p:pic>
         <p:nvPicPr>
-          <p:cNvPr id="3" name="図 2" descr="テキスト, 手紙">
+          <p:cNvPr id="3" name="図 2" descr="テキスト, 手紙&#10;&#10;AI 生成コンテンツは誤りを含む可能性があります。">
             <a:extLst>
               <a:ext uri="{FF2B5EF4-FFF2-40B4-BE49-F238E27FC236}">
-                <a16:creationId xmlns:a16="http://schemas.microsoft.com/office/drawing/2014/main" id="{B4AE57F8-0159-C829-5A36-8A064095514F}"/>
+                <a16:creationId xmlns:a16="http://schemas.microsoft.com/office/drawing/2014/main" id="{743C592A-D689-70E4-533D-BA271E61A02F}"/>
               </a:ext>
             </a:extLst>
           </p:cNvPr>
@@ -3730,7 +3714,367 @@
     </p:spTree>
     <p:extLst>
       <p:ext uri="{BB962C8B-B14F-4D97-AF65-F5344CB8AC3E}">
-        <p14:creationId xmlns:p14="http://schemas.microsoft.com/office/powerpoint/2010/main" val="3818434350"/>
+        <p14:creationId xmlns:p14="http://schemas.microsoft.com/office/powerpoint/2010/main" val="4189944484"/>
+      </p:ext>
+    </p:extLst>
+  </p:cSld>
+  <p:clrMapOvr>
+    <a:masterClrMapping/>
+  </p:clrMapOvr>
+</p:sld>
+</file>
+
+<file path=ppt/slides/slide5.xml><?xml version="1.0" encoding="utf-8"?>
+<p:sld xmlns:a="http://schemas.openxmlformats.org/drawingml/2006/main" xmlns:r="http://schemas.openxmlformats.org/officeDocument/2006/relationships" xmlns:p="http://schemas.openxmlformats.org/presentationml/2006/main">
+  <p:cSld>
+    <p:spTree>
+      <p:nvGrpSpPr>
+        <p:cNvPr id="1" name="">
+          <a:extLst>
+            <a:ext uri="{FF2B5EF4-FFF2-40B4-BE49-F238E27FC236}">
+              <a16:creationId xmlns:a16="http://schemas.microsoft.com/office/drawing/2014/main" id="{0CD02BC0-9D28-E35C-F0B8-E82169B1CE83}"/>
+            </a:ext>
+          </a:extLst>
+        </p:cNvPr>
+        <p:cNvGrpSpPr/>
+        <p:nvPr/>
+      </p:nvGrpSpPr>
+      <p:grpSpPr>
+        <a:xfrm>
+          <a:off x="0" y="0"/>
+          <a:ext cx="0" cy="0"/>
+          <a:chOff x="0" y="0"/>
+          <a:chExt cx="0" cy="0"/>
+        </a:xfrm>
+      </p:grpSpPr>
+      <p:pic>
+        <p:nvPicPr>
+          <p:cNvPr id="3" name="図 2" descr="グラフィカル ユーザー インターフェイス, アプリケーション&#10;&#10;AI 生成コンテンツは誤りを含む可能性があります。">
+            <a:extLst>
+              <a:ext uri="{FF2B5EF4-FFF2-40B4-BE49-F238E27FC236}">
+                <a16:creationId xmlns:a16="http://schemas.microsoft.com/office/drawing/2014/main" id="{CA73A717-90D9-2720-D182-16068BA8BD74}"/>
+              </a:ext>
+            </a:extLst>
+          </p:cNvPr>
+          <p:cNvPicPr>
+            <a:picLocks noChangeAspect="1"/>
+          </p:cNvPicPr>
+          <p:nvPr/>
+        </p:nvPicPr>
+        <p:blipFill>
+          <a:blip r:embed="rId2">
+            <a:extLst>
+              <a:ext uri="{28A0092B-C50C-407E-A947-70E740481C1C}">
+                <a14:useLocalDpi xmlns:a14="http://schemas.microsoft.com/office/drawing/2010/main" val="0"/>
+              </a:ext>
+            </a:extLst>
+          </a:blip>
+          <a:stretch>
+            <a:fillRect/>
+          </a:stretch>
+        </p:blipFill>
+        <p:spPr>
+          <a:xfrm>
+            <a:off x="762" y="428"/>
+            <a:ext cx="12190476" cy="6857143"/>
+          </a:xfrm>
+          <a:prstGeom prst="rect">
+            <a:avLst/>
+          </a:prstGeom>
+        </p:spPr>
+      </p:pic>
+    </p:spTree>
+    <p:extLst>
+      <p:ext uri="{BB962C8B-B14F-4D97-AF65-F5344CB8AC3E}">
+        <p14:creationId xmlns:p14="http://schemas.microsoft.com/office/powerpoint/2010/main" val="649800760"/>
+      </p:ext>
+    </p:extLst>
+  </p:cSld>
+  <p:clrMapOvr>
+    <a:masterClrMapping/>
+  </p:clrMapOvr>
+</p:sld>
+</file>
+
+<file path=ppt/slides/slide6.xml><?xml version="1.0" encoding="utf-8"?>
+<p:sld xmlns:a="http://schemas.openxmlformats.org/drawingml/2006/main" xmlns:r="http://schemas.openxmlformats.org/officeDocument/2006/relationships" xmlns:p="http://schemas.openxmlformats.org/presentationml/2006/main">
+  <p:cSld>
+    <p:spTree>
+      <p:nvGrpSpPr>
+        <p:cNvPr id="1" name="">
+          <a:extLst>
+            <a:ext uri="{FF2B5EF4-FFF2-40B4-BE49-F238E27FC236}">
+              <a16:creationId xmlns:a16="http://schemas.microsoft.com/office/drawing/2014/main" id="{6A15DBF9-E65E-A294-F916-F345D66458B2}"/>
+            </a:ext>
+          </a:extLst>
+        </p:cNvPr>
+        <p:cNvGrpSpPr/>
+        <p:nvPr/>
+      </p:nvGrpSpPr>
+      <p:grpSpPr>
+        <a:xfrm>
+          <a:off x="0" y="0"/>
+          <a:ext cx="0" cy="0"/>
+          <a:chOff x="0" y="0"/>
+          <a:chExt cx="0" cy="0"/>
+        </a:xfrm>
+      </p:grpSpPr>
+      <p:pic>
+        <p:nvPicPr>
+          <p:cNvPr id="3" name="図 2" descr="テキスト&#10;&#10;AI 生成コンテンツは誤りを含む可能性があります。">
+            <a:extLst>
+              <a:ext uri="{FF2B5EF4-FFF2-40B4-BE49-F238E27FC236}">
+                <a16:creationId xmlns:a16="http://schemas.microsoft.com/office/drawing/2014/main" id="{F423FDD9-AAFF-F6A6-DA3B-E5E14155EFEA}"/>
+              </a:ext>
+            </a:extLst>
+          </p:cNvPr>
+          <p:cNvPicPr>
+            <a:picLocks noChangeAspect="1"/>
+          </p:cNvPicPr>
+          <p:nvPr/>
+        </p:nvPicPr>
+        <p:blipFill>
+          <a:blip r:embed="rId2">
+            <a:extLst>
+              <a:ext uri="{28A0092B-C50C-407E-A947-70E740481C1C}">
+                <a14:useLocalDpi xmlns:a14="http://schemas.microsoft.com/office/drawing/2010/main" val="0"/>
+              </a:ext>
+            </a:extLst>
+          </a:blip>
+          <a:stretch>
+            <a:fillRect/>
+          </a:stretch>
+        </p:blipFill>
+        <p:spPr>
+          <a:xfrm>
+            <a:off x="762" y="428"/>
+            <a:ext cx="12190476" cy="6857143"/>
+          </a:xfrm>
+          <a:prstGeom prst="rect">
+            <a:avLst/>
+          </a:prstGeom>
+        </p:spPr>
+      </p:pic>
+    </p:spTree>
+    <p:extLst>
+      <p:ext uri="{BB962C8B-B14F-4D97-AF65-F5344CB8AC3E}">
+        <p14:creationId xmlns:p14="http://schemas.microsoft.com/office/powerpoint/2010/main" val="2566425499"/>
+      </p:ext>
+    </p:extLst>
+  </p:cSld>
+  <p:clrMapOvr>
+    <a:masterClrMapping/>
+  </p:clrMapOvr>
+</p:sld>
+</file>
+
+<file path=ppt/slides/slide7.xml><?xml version="1.0" encoding="utf-8"?>
+<p:sld xmlns:a="http://schemas.openxmlformats.org/drawingml/2006/main" xmlns:r="http://schemas.openxmlformats.org/officeDocument/2006/relationships" xmlns:p="http://schemas.openxmlformats.org/presentationml/2006/main">
+  <p:cSld>
+    <p:spTree>
+      <p:nvGrpSpPr>
+        <p:cNvPr id="1" name="">
+          <a:extLst>
+            <a:ext uri="{FF2B5EF4-FFF2-40B4-BE49-F238E27FC236}">
+              <a16:creationId xmlns:a16="http://schemas.microsoft.com/office/drawing/2014/main" id="{11400BAC-70B3-9907-D619-654E8A6C5A9A}"/>
+            </a:ext>
+          </a:extLst>
+        </p:cNvPr>
+        <p:cNvGrpSpPr/>
+        <p:nvPr/>
+      </p:nvGrpSpPr>
+      <p:grpSpPr>
+        <a:xfrm>
+          <a:off x="0" y="0"/>
+          <a:ext cx="0" cy="0"/>
+          <a:chOff x="0" y="0"/>
+          <a:chExt cx="0" cy="0"/>
+        </a:xfrm>
+      </p:grpSpPr>
+      <p:pic>
+        <p:nvPicPr>
+          <p:cNvPr id="3" name="図 2" descr="テキスト, 手紙&#10;&#10;AI 生成コンテンツは誤りを含む可能性があります。">
+            <a:extLst>
+              <a:ext uri="{FF2B5EF4-FFF2-40B4-BE49-F238E27FC236}">
+                <a16:creationId xmlns:a16="http://schemas.microsoft.com/office/drawing/2014/main" id="{9BA0AC3A-1D24-9B55-7031-B5C0A481C15F}"/>
+              </a:ext>
+            </a:extLst>
+          </p:cNvPr>
+          <p:cNvPicPr>
+            <a:picLocks noChangeAspect="1"/>
+          </p:cNvPicPr>
+          <p:nvPr/>
+        </p:nvPicPr>
+        <p:blipFill>
+          <a:blip r:embed="rId2">
+            <a:extLst>
+              <a:ext uri="{28A0092B-C50C-407E-A947-70E740481C1C}">
+                <a14:useLocalDpi xmlns:a14="http://schemas.microsoft.com/office/drawing/2010/main" val="0"/>
+              </a:ext>
+            </a:extLst>
+          </a:blip>
+          <a:stretch>
+            <a:fillRect/>
+          </a:stretch>
+        </p:blipFill>
+        <p:spPr>
+          <a:xfrm>
+            <a:off x="762" y="428"/>
+            <a:ext cx="12190476" cy="6857143"/>
+          </a:xfrm>
+          <a:prstGeom prst="rect">
+            <a:avLst/>
+          </a:prstGeom>
+        </p:spPr>
+      </p:pic>
+    </p:spTree>
+    <p:extLst>
+      <p:ext uri="{BB962C8B-B14F-4D97-AF65-F5344CB8AC3E}">
+        <p14:creationId xmlns:p14="http://schemas.microsoft.com/office/powerpoint/2010/main" val="704694493"/>
+      </p:ext>
+    </p:extLst>
+  </p:cSld>
+  <p:clrMapOvr>
+    <a:masterClrMapping/>
+  </p:clrMapOvr>
+</p:sld>
+</file>
+
+<file path=ppt/slides/slide8.xml><?xml version="1.0" encoding="utf-8"?>
+<p:sld xmlns:a="http://schemas.openxmlformats.org/drawingml/2006/main" xmlns:r="http://schemas.openxmlformats.org/officeDocument/2006/relationships" xmlns:p="http://schemas.openxmlformats.org/presentationml/2006/main">
+  <p:cSld>
+    <p:spTree>
+      <p:nvGrpSpPr>
+        <p:cNvPr id="1" name="">
+          <a:extLst>
+            <a:ext uri="{FF2B5EF4-FFF2-40B4-BE49-F238E27FC236}">
+              <a16:creationId xmlns:a16="http://schemas.microsoft.com/office/drawing/2014/main" id="{7D0E2DCB-C1D3-6857-29A8-79442B3770DB}"/>
+            </a:ext>
+          </a:extLst>
+        </p:cNvPr>
+        <p:cNvGrpSpPr/>
+        <p:nvPr/>
+      </p:nvGrpSpPr>
+      <p:grpSpPr>
+        <a:xfrm>
+          <a:off x="0" y="0"/>
+          <a:ext cx="0" cy="0"/>
+          <a:chOff x="0" y="0"/>
+          <a:chExt cx="0" cy="0"/>
+        </a:xfrm>
+      </p:grpSpPr>
+      <p:pic>
+        <p:nvPicPr>
+          <p:cNvPr id="3" name="図 2" descr="テキスト&#10;&#10;AI 生成コンテンツは誤りを含む可能性があります。">
+            <a:extLst>
+              <a:ext uri="{FF2B5EF4-FFF2-40B4-BE49-F238E27FC236}">
+                <a16:creationId xmlns:a16="http://schemas.microsoft.com/office/drawing/2014/main" id="{63279D2C-8B9E-B377-1855-93DC2275F79A}"/>
+              </a:ext>
+            </a:extLst>
+          </p:cNvPr>
+          <p:cNvPicPr>
+            <a:picLocks noChangeAspect="1"/>
+          </p:cNvPicPr>
+          <p:nvPr/>
+        </p:nvPicPr>
+        <p:blipFill>
+          <a:blip r:embed="rId2">
+            <a:extLst>
+              <a:ext uri="{28A0092B-C50C-407E-A947-70E740481C1C}">
+                <a14:useLocalDpi xmlns:a14="http://schemas.microsoft.com/office/drawing/2010/main" val="0"/>
+              </a:ext>
+            </a:extLst>
+          </a:blip>
+          <a:stretch>
+            <a:fillRect/>
+          </a:stretch>
+        </p:blipFill>
+        <p:spPr>
+          <a:xfrm>
+            <a:off x="762" y="428"/>
+            <a:ext cx="12190476" cy="6857143"/>
+          </a:xfrm>
+          <a:prstGeom prst="rect">
+            <a:avLst/>
+          </a:prstGeom>
+        </p:spPr>
+      </p:pic>
+    </p:spTree>
+    <p:extLst>
+      <p:ext uri="{BB962C8B-B14F-4D97-AF65-F5344CB8AC3E}">
+        <p14:creationId xmlns:p14="http://schemas.microsoft.com/office/powerpoint/2010/main" val="430847479"/>
+      </p:ext>
+    </p:extLst>
+  </p:cSld>
+  <p:clrMapOvr>
+    <a:masterClrMapping/>
+  </p:clrMapOvr>
+</p:sld>
+</file>
+
+<file path=ppt/slides/slide9.xml><?xml version="1.0" encoding="utf-8"?>
+<p:sld xmlns:a="http://schemas.openxmlformats.org/drawingml/2006/main" xmlns:r="http://schemas.openxmlformats.org/officeDocument/2006/relationships" xmlns:p="http://schemas.openxmlformats.org/presentationml/2006/main">
+  <p:cSld>
+    <p:spTree>
+      <p:nvGrpSpPr>
+        <p:cNvPr id="1" name="">
+          <a:extLst>
+            <a:ext uri="{FF2B5EF4-FFF2-40B4-BE49-F238E27FC236}">
+              <a16:creationId xmlns:a16="http://schemas.microsoft.com/office/drawing/2014/main" id="{E074653E-9320-0EBC-2BB3-7F38DD7498C3}"/>
+            </a:ext>
+          </a:extLst>
+        </p:cNvPr>
+        <p:cNvGrpSpPr/>
+        <p:nvPr/>
+      </p:nvGrpSpPr>
+      <p:grpSpPr>
+        <a:xfrm>
+          <a:off x="0" y="0"/>
+          <a:ext cx="0" cy="0"/>
+          <a:chOff x="0" y="0"/>
+          <a:chExt cx="0" cy="0"/>
+        </a:xfrm>
+      </p:grpSpPr>
+      <p:pic>
+        <p:nvPicPr>
+          <p:cNvPr id="3" name="図 2" descr="テキスト, 手紙&#10;&#10;AI 生成コンテンツは誤りを含む可能性があります。">
+            <a:extLst>
+              <a:ext uri="{FF2B5EF4-FFF2-40B4-BE49-F238E27FC236}">
+                <a16:creationId xmlns:a16="http://schemas.microsoft.com/office/drawing/2014/main" id="{CFF6501F-7727-02CF-0C9D-68029EADDF3B}"/>
+              </a:ext>
+            </a:extLst>
+          </p:cNvPr>
+          <p:cNvPicPr>
+            <a:picLocks noChangeAspect="1"/>
+          </p:cNvPicPr>
+          <p:nvPr/>
+        </p:nvPicPr>
+        <p:blipFill>
+          <a:blip r:embed="rId2">
+            <a:extLst>
+              <a:ext uri="{28A0092B-C50C-407E-A947-70E740481C1C}">
+                <a14:useLocalDpi xmlns:a14="http://schemas.microsoft.com/office/drawing/2010/main" val="0"/>
+              </a:ext>
+            </a:extLst>
+          </a:blip>
+          <a:stretch>
+            <a:fillRect/>
+          </a:stretch>
+        </p:blipFill>
+        <p:spPr>
+          <a:xfrm>
+            <a:off x="762" y="428"/>
+            <a:ext cx="12190476" cy="6857143"/>
+          </a:xfrm>
+          <a:prstGeom prst="rect">
+            <a:avLst/>
+          </a:prstGeom>
+        </p:spPr>
+      </p:pic>
+    </p:spTree>
+    <p:extLst>
+      <p:ext uri="{BB962C8B-B14F-4D97-AF65-F5344CB8AC3E}">
+        <p14:creationId xmlns:p14="http://schemas.microsoft.com/office/powerpoint/2010/main" val="1537756462"/>
       </p:ext>
     </p:extLst>
   </p:cSld>
